--- a/PPT.pptx
+++ b/PPT.pptx
@@ -3097,7 +3097,11 @@
           <a:bodyPr/>
           <a:lstStyle/>
           <a:p>
-            <a:endParaRPr lang="en-US"/>
+            <a:r>
+              <a:rPr lang="en-US" dirty="0" err="1" smtClean="0"/>
+              <a:t>asdfasdfasdfa</a:t>
+            </a:r>
+            <a:endParaRPr lang="en-US" dirty="0"/>
           </a:p>
         </p:txBody>
       </p:sp>

--- a/PPT.pptx
+++ b/PPT.pptx
@@ -3099,7 +3099,7 @@
           <a:p>
             <a:r>
               <a:rPr lang="en-US" dirty="0" err="1" smtClean="0"/>
-              <a:t>asdfasdfasdfa</a:t>
+              <a:t>asdfdfasdfa</a:t>
             </a:r>
             <a:endParaRPr lang="en-US" dirty="0"/>
           </a:p>
